--- a/ppt/构建系统与工程文件概述.pptx
+++ b/ppt/构建系统与工程文件概述.pptx
@@ -5373,10 +5373,15 @@
             <p:ph type="body" idx="1"/>
           </p:nvPr>
         </p:nvSpPr>
-        <p:spPr/>
+        <p:spPr>
+          <a:xfrm>
+            <a:off x="1689100" y="3238500"/>
+            <a:ext cx="10113645" cy="9207500"/>
+          </a:xfrm>
+        </p:spPr>
         <p:txBody>
           <a:bodyPr>
-            <a:normAutofit lnSpcReduction="20000"/>
+            <a:normAutofit fontScale="60000"/>
           </a:bodyPr>
           <a:p>
             <a:r>
@@ -5504,6 +5509,30 @@
           </a:p>
         </p:txBody>
       </p:sp>
+      <p:pic>
+        <p:nvPicPr>
+          <p:cNvPr id="4" name="图片 3"/>
+          <p:cNvPicPr>
+            <a:picLocks noChangeAspect="1"/>
+          </p:cNvPicPr>
+          <p:nvPr/>
+        </p:nvPicPr>
+        <p:blipFill>
+          <a:blip r:embed="rId1"/>
+          <a:stretch>
+            <a:fillRect/>
+          </a:stretch>
+        </p:blipFill>
+        <p:spPr>
+          <a:xfrm>
+            <a:off x="11976100" y="3329305"/>
+            <a:ext cx="11735435" cy="8773795"/>
+          </a:xfrm>
+          <a:prstGeom prst="rect">
+            <a:avLst/>
+          </a:prstGeom>
+        </p:spPr>
+      </p:pic>
     </p:spTree>
   </p:cSld>
   <p:clrMapOvr>
